--- a/prez.pptx
+++ b/prez.pptx
@@ -228,7 +228,7 @@
             <a:pPr rtl="0"/>
             <a:fld id="{729DB3FB-E2CC-44E8-8355-B96A739A5E38}" type="datetime1">
               <a:rPr lang="cs-CZ" smtClean="0"/>
-              <a:t>08.12.2019</a:t>
+              <a:t>10.12.2019</a:t>
             </a:fld>
             <a:endParaRPr lang="cs-CZ"/>
           </a:p>
@@ -397,7 +397,7 @@
             <a:fld id="{A555F345-B843-4499-BE94-054C33DBFC1B}" type="datetime1">
               <a:rPr lang="cs-CZ" smtClean="0"/>
               <a:pPr/>
-              <a:t>08.12.2019</a:t>
+              <a:t>10.12.2019</a:t>
             </a:fld>
             <a:endParaRPr lang="cs-CZ" dirty="0"/>
           </a:p>
@@ -1105,7 +1105,7 @@
             <a:pPr rtl="0"/>
             <a:fld id="{68ECC5EA-531F-4E1D-9E7C-1D81D89AC39E}" type="datetime1">
               <a:rPr lang="cs-CZ" noProof="0" smtClean="0"/>
-              <a:t>08.12.2019</a:t>
+              <a:t>10.12.2019</a:t>
             </a:fld>
             <a:endParaRPr lang="cs-CZ" noProof="0"/>
           </a:p>
@@ -1731,7 +1731,7 @@
             <a:pPr rtl="0"/>
             <a:fld id="{A7D46277-86EA-400A-A5AE-3694B379307B}" type="datetime1">
               <a:rPr lang="cs-CZ" noProof="0" smtClean="0"/>
-              <a:t>08.12.2019</a:t>
+              <a:t>10.12.2019</a:t>
             </a:fld>
             <a:endParaRPr lang="cs-CZ" noProof="0"/>
           </a:p>
@@ -2466,10 +2466,10 @@
       </p:sp>
       <p:pic>
         <p:nvPicPr>
-          <p:cNvPr id="3" name="Obrázek 2">
+          <p:cNvPr id="8" name="Obrázek 7">
             <a:extLst>
               <a:ext uri="{FF2B5EF4-FFF2-40B4-BE49-F238E27FC236}">
-                <a16:creationId xmlns:a16="http://schemas.microsoft.com/office/drawing/2014/main" id="{24A6489B-8555-4052-AFE9-436FB69D819F}"/>
+                <a16:creationId xmlns:a16="http://schemas.microsoft.com/office/drawing/2014/main" id="{89CDEEDF-55EE-4889-87EA-E87989A376B2}"/>
               </a:ext>
             </a:extLst>
           </p:cNvPr>
@@ -2609,10 +2609,10 @@
       </p:sp>
       <p:pic>
         <p:nvPicPr>
-          <p:cNvPr id="5" name="Obrázek 4">
+          <p:cNvPr id="6" name="Obrázek 5">
             <a:extLst>
               <a:ext uri="{FF2B5EF4-FFF2-40B4-BE49-F238E27FC236}">
-                <a16:creationId xmlns:a16="http://schemas.microsoft.com/office/drawing/2014/main" id="{740D9C6E-AAE3-49B4-BB21-8353D38D5CDA}"/>
+                <a16:creationId xmlns:a16="http://schemas.microsoft.com/office/drawing/2014/main" id="{305A3C3E-DA19-401D-865D-C0F4401C59C0}"/>
               </a:ext>
             </a:extLst>
           </p:cNvPr>
@@ -2629,7 +2629,7 @@
         </p:blipFill>
         <p:spPr>
           <a:xfrm>
-            <a:off x="8943816" y="-4572"/>
+            <a:off x="8943816" y="0"/>
             <a:ext cx="3248184" cy="6858000"/>
           </a:xfrm>
           <a:prstGeom prst="rect">
@@ -2733,10 +2733,10 @@
       </p:sp>
       <p:pic>
         <p:nvPicPr>
-          <p:cNvPr id="5" name="Obrázek 4">
+          <p:cNvPr id="6" name="Obrázek 5">
             <a:extLst>
               <a:ext uri="{FF2B5EF4-FFF2-40B4-BE49-F238E27FC236}">
-                <a16:creationId xmlns:a16="http://schemas.microsoft.com/office/drawing/2014/main" id="{E80FF956-9A09-4E88-B9D6-D4B0D3E14AB0}"/>
+                <a16:creationId xmlns:a16="http://schemas.microsoft.com/office/drawing/2014/main" id="{BD1FBF95-985E-4859-B4BD-30F38B2D41D1}"/>
               </a:ext>
             </a:extLst>
           </p:cNvPr>
@@ -2753,7 +2753,7 @@
         </p:blipFill>
         <p:spPr>
           <a:xfrm>
-            <a:off x="8943816" y="0"/>
+            <a:off x="8943816" y="-4572"/>
             <a:ext cx="3248184" cy="6858000"/>
           </a:xfrm>
           <a:prstGeom prst="rect">
@@ -2875,10 +2875,10 @@
       </p:sp>
       <p:pic>
         <p:nvPicPr>
-          <p:cNvPr id="5" name="Obrázek 4">
+          <p:cNvPr id="6" name="Obrázek 5">
             <a:extLst>
               <a:ext uri="{FF2B5EF4-FFF2-40B4-BE49-F238E27FC236}">
-                <a16:creationId xmlns:a16="http://schemas.microsoft.com/office/drawing/2014/main" id="{294A7941-2069-4468-AE6C-D33FED785D75}"/>
+                <a16:creationId xmlns:a16="http://schemas.microsoft.com/office/drawing/2014/main" id="{71C94211-D05F-4557-BD1B-9F4238D6980F}"/>
               </a:ext>
             </a:extLst>
           </p:cNvPr>
@@ -3901,12 +3901,12 @@
 </file>
 
 <file path=customXml/item1.xml><?xml version="1.0" encoding="utf-8"?>
-<p:properties xmlns:p="http://schemas.microsoft.com/office/2006/metadata/properties" xmlns:xsi="http://www.w3.org/2001/XMLSchema-instance" xmlns:pc="http://schemas.microsoft.com/office/infopath/2007/PartnerControls">
-  <documentManagement>
-    <Status xmlns="71af3243-3dd4-4a8d-8c0d-dd76da1f02a5">Not started</Status>
-    <MediaServiceKeyPoints xmlns="71af3243-3dd4-4a8d-8c0d-dd76da1f02a5" xsi:nil="true"/>
-  </documentManagement>
-</p:properties>
+<?mso-contentType ?>
+<FormTemplates xmlns="http://schemas.microsoft.com/sharepoint/v3/contenttype/forms">
+  <Display>DocumentLibraryForm</Display>
+  <Edit>DocumentLibraryForm</Edit>
+  <New>DocumentLibraryForm</New>
+</FormTemplates>
 </file>
 
 <file path=customXml/item2.xml><?xml version="1.0" encoding="utf-8"?>
@@ -4131,20 +4131,18 @@
 </file>
 
 <file path=customXml/item3.xml><?xml version="1.0" encoding="utf-8"?>
-<?mso-contentType ?>
-<FormTemplates xmlns="http://schemas.microsoft.com/sharepoint/v3/contenttype/forms">
-  <Display>DocumentLibraryForm</Display>
-  <Edit>DocumentLibraryForm</Edit>
-  <New>DocumentLibraryForm</New>
-</FormTemplates>
+<p:properties xmlns:p="http://schemas.microsoft.com/office/2006/metadata/properties" xmlns:xsi="http://www.w3.org/2001/XMLSchema-instance" xmlns:pc="http://schemas.microsoft.com/office/infopath/2007/PartnerControls">
+  <documentManagement>
+    <Status xmlns="71af3243-3dd4-4a8d-8c0d-dd76da1f02a5">Not started</Status>
+    <MediaServiceKeyPoints xmlns="71af3243-3dd4-4a8d-8c0d-dd76da1f02a5" xsi:nil="true"/>
+  </documentManagement>
+</p:properties>
 </file>
 
 <file path=customXml/itemProps1.xml><?xml version="1.0" encoding="utf-8"?>
-<ds:datastoreItem xmlns:ds="http://schemas.openxmlformats.org/officeDocument/2006/customXml" ds:itemID="{950072C5-DDE0-4258-BA7A-4D4B80DFA632}">
+<ds:datastoreItem xmlns:ds="http://schemas.openxmlformats.org/officeDocument/2006/customXml" ds:itemID="{7EE8C63A-4744-4DE4-BB49-0FF0B5375C60}">
   <ds:schemaRefs>
-    <ds:schemaRef ds:uri="http://schemas.microsoft.com/office/2006/metadata/properties"/>
-    <ds:schemaRef ds:uri="http://schemas.microsoft.com/office/infopath/2007/PartnerControls"/>
-    <ds:schemaRef ds:uri="71af3243-3dd4-4a8d-8c0d-dd76da1f02a5"/>
+    <ds:schemaRef ds:uri="http://schemas.microsoft.com/sharepoint/v3/contenttype/forms"/>
   </ds:schemaRefs>
 </ds:datastoreItem>
 </file>
@@ -4169,9 +4167,11 @@
 </file>
 
 <file path=customXml/itemProps3.xml><?xml version="1.0" encoding="utf-8"?>
-<ds:datastoreItem xmlns:ds="http://schemas.openxmlformats.org/officeDocument/2006/customXml" ds:itemID="{7EE8C63A-4744-4DE4-BB49-0FF0B5375C60}">
+<ds:datastoreItem xmlns:ds="http://schemas.openxmlformats.org/officeDocument/2006/customXml" ds:itemID="{950072C5-DDE0-4258-BA7A-4D4B80DFA632}">
   <ds:schemaRefs>
-    <ds:schemaRef ds:uri="http://schemas.microsoft.com/sharepoint/v3/contenttype/forms"/>
+    <ds:schemaRef ds:uri="http://schemas.microsoft.com/office/2006/metadata/properties"/>
+    <ds:schemaRef ds:uri="http://schemas.microsoft.com/office/infopath/2007/PartnerControls"/>
+    <ds:schemaRef ds:uri="71af3243-3dd4-4a8d-8c0d-dd76da1f02a5"/>
   </ds:schemaRefs>
 </ds:datastoreItem>
 </file>